--- a/public/Project-Vagabond-Presentation.pptx
+++ b/public/Project-Vagabond-Presentation.pptx
@@ -5,18 +5,19 @@
     <p:sldMasterId id="2147483648" r:id="rId1"/>
   </p:sldMasterIdLst>
   <p:notesMasterIdLst>
-    <p:notesMasterId r:id="rId11"/>
+    <p:notesMasterId r:id="rId12"/>
   </p:notesMasterIdLst>
   <p:sldIdLst>
     <p:sldId id="256" r:id="rId2"/>
     <p:sldId id="257" r:id="rId3"/>
-    <p:sldId id="258" r:id="rId4"/>
-    <p:sldId id="259" r:id="rId5"/>
-    <p:sldId id="260" r:id="rId6"/>
-    <p:sldId id="261" r:id="rId7"/>
-    <p:sldId id="262" r:id="rId8"/>
-    <p:sldId id="263" r:id="rId9"/>
-    <p:sldId id="264" r:id="rId10"/>
+    <p:sldId id="265" r:id="rId4"/>
+    <p:sldId id="258" r:id="rId5"/>
+    <p:sldId id="259" r:id="rId6"/>
+    <p:sldId id="260" r:id="rId7"/>
+    <p:sldId id="261" r:id="rId8"/>
+    <p:sldId id="262" r:id="rId9"/>
+    <p:sldId id="263" r:id="rId10"/>
+    <p:sldId id="264" r:id="rId11"/>
   </p:sldIdLst>
   <p:sldSz cx="12192000" cy="6858000"/>
   <p:notesSz cx="6858000" cy="9144000"/>
@@ -115,6 +116,11 @@
       </a:defRPr>
     </a:lvl9pPr>
   </p:defaultTextStyle>
+  <p:extLst>
+    <p:ext uri="{EFAFB233-063F-42B5-8137-9DF3F51BA10A}">
+      <p15:sldGuideLst xmlns:p15="http://schemas.microsoft.com/office/powerpoint/2012/main"/>
+    </p:ext>
+  </p:extLst>
 </p:presentation>
 </file>
 
@@ -6223,6 +6229,123 @@
 </p:sld>
 </file>
 
+<file path=ppt/slides/slide10.xml><?xml version="1.0" encoding="utf-8"?>
+<p:sld xmlns:a="http://schemas.openxmlformats.org/drawingml/2006/main" xmlns:r="http://schemas.openxmlformats.org/officeDocument/2006/relationships" xmlns:p="http://schemas.openxmlformats.org/presentationml/2006/main">
+  <p:cSld>
+    <p:spTree>
+      <p:nvGrpSpPr>
+        <p:cNvPr id="1" name=""/>
+        <p:cNvGrpSpPr/>
+        <p:nvPr/>
+      </p:nvGrpSpPr>
+      <p:grpSpPr>
+        <a:xfrm>
+          <a:off x="0" y="0"/>
+          <a:ext cx="0" cy="0"/>
+          <a:chOff x="0" y="0"/>
+          <a:chExt cx="0" cy="0"/>
+        </a:xfrm>
+      </p:grpSpPr>
+      <p:sp>
+        <p:nvSpPr>
+          <p:cNvPr id="2" name="Title 1"/>
+          <p:cNvSpPr>
+            <a:spLocks noGrp="1"/>
+          </p:cNvSpPr>
+          <p:nvPr>
+            <p:ph type="title"/>
+          </p:nvPr>
+        </p:nvSpPr>
+        <p:spPr/>
+        <p:txBody>
+          <a:bodyPr/>
+          <a:lstStyle/>
+          <a:p>
+            <a:r>
+              <a:rPr lang="en-US" dirty="0" smtClean="0"/>
+              <a:t>Conclusion</a:t>
+            </a:r>
+            <a:endParaRPr lang="en-US" dirty="0"/>
+          </a:p>
+        </p:txBody>
+      </p:sp>
+      <p:sp>
+        <p:nvSpPr>
+          <p:cNvPr id="3" name="Content Placeholder 2"/>
+          <p:cNvSpPr>
+            <a:spLocks noGrp="1"/>
+          </p:cNvSpPr>
+          <p:nvPr>
+            <p:ph idx="1"/>
+          </p:nvPr>
+        </p:nvSpPr>
+        <p:spPr/>
+        <p:txBody>
+          <a:bodyPr/>
+          <a:lstStyle/>
+          <a:p>
+            <a:r>
+              <a:rPr lang="en-US" dirty="0" smtClean="0"/>
+              <a:t>Your company needs to monetize the Travel Site space. We can help. </a:t>
+            </a:r>
+          </a:p>
+          <a:p>
+            <a:r>
+              <a:rPr lang="en-US" dirty="0" smtClean="0"/>
+              <a:t>Give us all your money. </a:t>
+            </a:r>
+            <a:endParaRPr lang="en-US" dirty="0"/>
+          </a:p>
+        </p:txBody>
+      </p:sp>
+      <p:sp>
+        <p:nvSpPr>
+          <p:cNvPr id="4" name="TextBox 3"/>
+          <p:cNvSpPr txBox="1"/>
+          <p:nvPr/>
+        </p:nvSpPr>
+        <p:spPr>
+          <a:xfrm>
+            <a:off x="1120000" y="5111571"/>
+            <a:ext cx="9752788" cy="1200329"/>
+          </a:xfrm>
+          <a:prstGeom prst="rect">
+            <a:avLst/>
+          </a:prstGeom>
+          <a:noFill/>
+        </p:spPr>
+        <p:txBody>
+          <a:bodyPr wrap="square" rtlCol="0">
+            <a:spAutoFit/>
+          </a:bodyPr>
+          <a:lstStyle/>
+          <a:p>
+            <a:pPr algn="ctr"/>
+            <a:r>
+              <a:rPr lang="en-US" sz="3600" b="1" dirty="0" err="1" smtClean="0"/>
+              <a:t>Boingo</a:t>
+            </a:r>
+            <a:r>
+              <a:rPr lang="en-US" sz="3600" b="1" dirty="0" smtClean="0"/>
+              <a:t> Bongo™ . . . Making the world a better place, one crappy review at a time. </a:t>
+            </a:r>
+            <a:endParaRPr lang="en-US" sz="3600" b="1" dirty="0"/>
+          </a:p>
+        </p:txBody>
+      </p:sp>
+    </p:spTree>
+    <p:extLst>
+      <p:ext uri="{BB962C8B-B14F-4D97-AF65-F5344CB8AC3E}">
+        <p14:creationId xmlns:p14="http://schemas.microsoft.com/office/powerpoint/2010/main" val="334199979"/>
+      </p:ext>
+    </p:extLst>
+  </p:cSld>
+  <p:clrMapOvr>
+    <a:masterClrMapping/>
+  </p:clrMapOvr>
+</p:sld>
+</file>
+
 <file path=ppt/slides/slide2.xml><?xml version="1.0" encoding="utf-8"?>
 <p:sld xmlns:a="http://schemas.openxmlformats.org/drawingml/2006/main" xmlns:r="http://schemas.openxmlformats.org/officeDocument/2006/relationships" xmlns:p="http://schemas.openxmlformats.org/presentationml/2006/main">
   <p:cSld>
@@ -6481,6 +6604,100 @@
 </file>
 
 <file path=ppt/slides/slide3.xml><?xml version="1.0" encoding="utf-8"?>
+<p:sld xmlns:a="http://schemas.openxmlformats.org/drawingml/2006/main" xmlns:r="http://schemas.openxmlformats.org/officeDocument/2006/relationships" xmlns:p="http://schemas.openxmlformats.org/presentationml/2006/main">
+  <p:cSld>
+    <p:spTree>
+      <p:nvGrpSpPr>
+        <p:cNvPr id="1" name=""/>
+        <p:cNvGrpSpPr/>
+        <p:nvPr/>
+      </p:nvGrpSpPr>
+      <p:grpSpPr>
+        <a:xfrm>
+          <a:off x="0" y="0"/>
+          <a:ext cx="0" cy="0"/>
+          <a:chOff x="0" y="0"/>
+          <a:chExt cx="0" cy="0"/>
+        </a:xfrm>
+      </p:grpSpPr>
+      <p:sp>
+        <p:nvSpPr>
+          <p:cNvPr id="2" name="Title 1"/>
+          <p:cNvSpPr>
+            <a:spLocks noGrp="1"/>
+          </p:cNvSpPr>
+          <p:nvPr>
+            <p:ph type="title"/>
+          </p:nvPr>
+        </p:nvSpPr>
+        <p:spPr/>
+        <p:txBody>
+          <a:bodyPr/>
+          <a:lstStyle/>
+          <a:p>
+            <a:r>
+              <a:rPr lang="en-US" dirty="0" smtClean="0"/>
+              <a:t>Why a Travel Site?</a:t>
+            </a:r>
+            <a:endParaRPr lang="en-US" dirty="0"/>
+          </a:p>
+        </p:txBody>
+      </p:sp>
+      <p:sp>
+        <p:nvSpPr>
+          <p:cNvPr id="3" name="Content Placeholder 2"/>
+          <p:cNvSpPr>
+            <a:spLocks noGrp="1"/>
+          </p:cNvSpPr>
+          <p:nvPr>
+            <p:ph idx="1"/>
+          </p:nvPr>
+        </p:nvSpPr>
+        <p:spPr/>
+        <p:txBody>
+          <a:bodyPr/>
+          <a:lstStyle/>
+          <a:p>
+            <a:r>
+              <a:rPr lang="en-US" dirty="0" smtClean="0"/>
+              <a:t>People like travel.</a:t>
+            </a:r>
+          </a:p>
+          <a:p>
+            <a:r>
+              <a:rPr lang="en-US" dirty="0" smtClean="0"/>
+              <a:t>People don’t like being bored when they travel. </a:t>
+            </a:r>
+          </a:p>
+          <a:p>
+            <a:r>
+              <a:rPr lang="en-US" dirty="0" smtClean="0"/>
+              <a:t>People don’t like having bad experiences when they go to a new place. </a:t>
+            </a:r>
+          </a:p>
+          <a:p>
+            <a:r>
+              <a:rPr lang="en-US" smtClean="0"/>
+              <a:t>Travel sites give people a clear picture of what to do, and what not to do. </a:t>
+            </a:r>
+            <a:endParaRPr lang="en-US"/>
+          </a:p>
+        </p:txBody>
+      </p:sp>
+    </p:spTree>
+    <p:extLst>
+      <p:ext uri="{BB962C8B-B14F-4D97-AF65-F5344CB8AC3E}">
+        <p14:creationId xmlns:p14="http://schemas.microsoft.com/office/powerpoint/2010/main" val="448322713"/>
+      </p:ext>
+    </p:extLst>
+  </p:cSld>
+  <p:clrMapOvr>
+    <a:masterClrMapping/>
+  </p:clrMapOvr>
+</p:sld>
+</file>
+
+<file path=ppt/slides/slide4.xml><?xml version="1.0" encoding="utf-8"?>
 <p:sld xmlns:a="http://schemas.openxmlformats.org/drawingml/2006/main" xmlns:r="http://schemas.openxmlformats.org/officeDocument/2006/relationships" xmlns:p="http://schemas.openxmlformats.org/presentationml/2006/main">
   <p:cSld>
     <p:spTree>
@@ -6570,108 +6787,6 @@
 </p:sld>
 </file>
 
-<file path=ppt/slides/slide4.xml><?xml version="1.0" encoding="utf-8"?>
-<p:sld xmlns:a="http://schemas.openxmlformats.org/drawingml/2006/main" xmlns:r="http://schemas.openxmlformats.org/officeDocument/2006/relationships" xmlns:p="http://schemas.openxmlformats.org/presentationml/2006/main">
-  <p:cSld>
-    <p:spTree>
-      <p:nvGrpSpPr>
-        <p:cNvPr id="1" name=""/>
-        <p:cNvGrpSpPr/>
-        <p:nvPr/>
-      </p:nvGrpSpPr>
-      <p:grpSpPr>
-        <a:xfrm>
-          <a:off x="0" y="0"/>
-          <a:ext cx="0" cy="0"/>
-          <a:chOff x="0" y="0"/>
-          <a:chExt cx="0" cy="0"/>
-        </a:xfrm>
-      </p:grpSpPr>
-      <p:sp>
-        <p:nvSpPr>
-          <p:cNvPr id="2" name="Title 1"/>
-          <p:cNvSpPr>
-            <a:spLocks noGrp="1"/>
-          </p:cNvSpPr>
-          <p:nvPr>
-            <p:ph type="title"/>
-          </p:nvPr>
-        </p:nvSpPr>
-        <p:spPr/>
-        <p:txBody>
-          <a:bodyPr/>
-          <a:lstStyle/>
-          <a:p>
-            <a:r>
-              <a:rPr lang="en-US" dirty="0" err="1" smtClean="0"/>
-              <a:t>Boingo</a:t>
-            </a:r>
-            <a:r>
-              <a:rPr lang="en-US" dirty="0" smtClean="0"/>
-              <a:t> Bongo Brings:</a:t>
-            </a:r>
-            <a:endParaRPr lang="en-US" dirty="0"/>
-          </a:p>
-        </p:txBody>
-      </p:sp>
-      <p:sp>
-        <p:nvSpPr>
-          <p:cNvPr id="3" name="Content Placeholder 2"/>
-          <p:cNvSpPr>
-            <a:spLocks noGrp="1"/>
-          </p:cNvSpPr>
-          <p:nvPr>
-            <p:ph idx="1"/>
-          </p:nvPr>
-        </p:nvSpPr>
-        <p:spPr/>
-        <p:txBody>
-          <a:bodyPr>
-            <a:normAutofit/>
-          </a:bodyPr>
-          <a:lstStyle/>
-          <a:p>
-            <a:r>
-              <a:rPr lang="en-US" sz="3600" dirty="0" smtClean="0"/>
-              <a:t>Top of the line, high quality, user-sourced information for the cities you want to visit.</a:t>
-            </a:r>
-          </a:p>
-          <a:p>
-            <a:r>
-              <a:rPr lang="en-US" sz="3600" dirty="0" smtClean="0"/>
-              <a:t>Global, Local, Social consciousness to every feature. We’re </a:t>
-            </a:r>
-            <a:r>
-              <a:rPr lang="en-US" sz="3600" dirty="0" err="1" smtClean="0"/>
-              <a:t>GloLoSo</a:t>
-            </a:r>
-            <a:r>
-              <a:rPr lang="en-US" sz="3600" dirty="0" smtClean="0"/>
-              <a:t>, Bro!</a:t>
-            </a:r>
-          </a:p>
-          <a:p>
-            <a:r>
-              <a:rPr lang="en-US" sz="3600" dirty="0" smtClean="0"/>
-              <a:t>A White Label product that your brand can customize, rather than wasting time fixing someone else’s vision.</a:t>
-            </a:r>
-            <a:endParaRPr lang="en-US" sz="3600" dirty="0"/>
-          </a:p>
-        </p:txBody>
-      </p:sp>
-    </p:spTree>
-    <p:extLst>
-      <p:ext uri="{BB962C8B-B14F-4D97-AF65-F5344CB8AC3E}">
-        <p14:creationId xmlns:p14="http://schemas.microsoft.com/office/powerpoint/2010/main" val="2121399306"/>
-      </p:ext>
-    </p:extLst>
-  </p:cSld>
-  <p:clrMapOvr>
-    <a:masterClrMapping/>
-  </p:clrMapOvr>
-</p:sld>
-</file>
-
 <file path=ppt/slides/slide5.xml><?xml version="1.0" encoding="utf-8"?>
 <p:sld xmlns:a="http://schemas.openxmlformats.org/drawingml/2006/main" xmlns:r="http://schemas.openxmlformats.org/officeDocument/2006/relationships" xmlns:p="http://schemas.openxmlformats.org/presentationml/2006/main">
   <p:cSld>
@@ -6705,8 +6820,12 @@
           <a:lstStyle/>
           <a:p>
             <a:r>
+              <a:rPr lang="en-US" dirty="0" err="1" smtClean="0"/>
+              <a:t>Boingo</a:t>
+            </a:r>
+            <a:r>
               <a:rPr lang="en-US" dirty="0" smtClean="0"/>
-              <a:t>Want To Customize Users? </a:t>
+              <a:t> Bongo Brings:</a:t>
             </a:r>
             <a:endParaRPr lang="en-US" dirty="0"/>
           </a:p>
@@ -6724,21 +6843,43 @@
         </p:nvSpPr>
         <p:spPr/>
         <p:txBody>
-          <a:bodyPr/>
-          <a:lstStyle/>
-          <a:p>
-            <a:r>
-              <a:rPr lang="en-US" dirty="0" smtClean="0"/>
-              <a:t>No problem! We have basic email and password(hashed) functionality. Tell us your next user requirement and we can add it in with no technical debt!</a:t>
-            </a:r>
-            <a:endParaRPr lang="en-US" dirty="0"/>
+          <a:bodyPr>
+            <a:normAutofit/>
+          </a:bodyPr>
+          <a:lstStyle/>
+          <a:p>
+            <a:r>
+              <a:rPr lang="en-US" sz="3600" dirty="0" smtClean="0"/>
+              <a:t>Top of the line, high quality, user-sourced information for the cities you want to visit.</a:t>
+            </a:r>
+          </a:p>
+          <a:p>
+            <a:r>
+              <a:rPr lang="en-US" sz="3600" dirty="0" smtClean="0"/>
+              <a:t>Global, Local, Social consciousness to every feature. We’re </a:t>
+            </a:r>
+            <a:r>
+              <a:rPr lang="en-US" sz="3600" dirty="0" err="1" smtClean="0"/>
+              <a:t>GloLoSo</a:t>
+            </a:r>
+            <a:r>
+              <a:rPr lang="en-US" sz="3600" dirty="0" smtClean="0"/>
+              <a:t>, Bro!</a:t>
+            </a:r>
+          </a:p>
+          <a:p>
+            <a:r>
+              <a:rPr lang="en-US" sz="3600" dirty="0" smtClean="0"/>
+              <a:t>A White Label product that your brand can customize, rather than wasting time fixing someone else’s vision.</a:t>
+            </a:r>
+            <a:endParaRPr lang="en-US" sz="3600" dirty="0"/>
           </a:p>
         </p:txBody>
       </p:sp>
     </p:spTree>
     <p:extLst>
       <p:ext uri="{BB962C8B-B14F-4D97-AF65-F5344CB8AC3E}">
-        <p14:creationId xmlns:p14="http://schemas.microsoft.com/office/powerpoint/2010/main" val="1958114858"/>
+        <p14:creationId xmlns:p14="http://schemas.microsoft.com/office/powerpoint/2010/main" val="2121399306"/>
       </p:ext>
     </p:extLst>
   </p:cSld>
@@ -6782,6 +6923,82 @@
           <a:p>
             <a:r>
               <a:rPr lang="en-US" dirty="0" smtClean="0"/>
+              <a:t>Want To Customize Users? </a:t>
+            </a:r>
+            <a:endParaRPr lang="en-US" dirty="0"/>
+          </a:p>
+        </p:txBody>
+      </p:sp>
+      <p:sp>
+        <p:nvSpPr>
+          <p:cNvPr id="3" name="Content Placeholder 2"/>
+          <p:cNvSpPr>
+            <a:spLocks noGrp="1"/>
+          </p:cNvSpPr>
+          <p:nvPr>
+            <p:ph idx="1"/>
+          </p:nvPr>
+        </p:nvSpPr>
+        <p:spPr/>
+        <p:txBody>
+          <a:bodyPr/>
+          <a:lstStyle/>
+          <a:p>
+            <a:r>
+              <a:rPr lang="en-US" dirty="0" smtClean="0"/>
+              <a:t>No problem! We have basic email and password(hashed) functionality. Tell us your next user requirement and we can add it in with no technical debt!</a:t>
+            </a:r>
+            <a:endParaRPr lang="en-US" dirty="0"/>
+          </a:p>
+        </p:txBody>
+      </p:sp>
+    </p:spTree>
+    <p:extLst>
+      <p:ext uri="{BB962C8B-B14F-4D97-AF65-F5344CB8AC3E}">
+        <p14:creationId xmlns:p14="http://schemas.microsoft.com/office/powerpoint/2010/main" val="1958114858"/>
+      </p:ext>
+    </p:extLst>
+  </p:cSld>
+  <p:clrMapOvr>
+    <a:masterClrMapping/>
+  </p:clrMapOvr>
+</p:sld>
+</file>
+
+<file path=ppt/slides/slide7.xml><?xml version="1.0" encoding="utf-8"?>
+<p:sld xmlns:a="http://schemas.openxmlformats.org/drawingml/2006/main" xmlns:r="http://schemas.openxmlformats.org/officeDocument/2006/relationships" xmlns:p="http://schemas.openxmlformats.org/presentationml/2006/main">
+  <p:cSld>
+    <p:spTree>
+      <p:nvGrpSpPr>
+        <p:cNvPr id="1" name=""/>
+        <p:cNvGrpSpPr/>
+        <p:nvPr/>
+      </p:nvGrpSpPr>
+      <p:grpSpPr>
+        <a:xfrm>
+          <a:off x="0" y="0"/>
+          <a:ext cx="0" cy="0"/>
+          <a:chOff x="0" y="0"/>
+          <a:chExt cx="0" cy="0"/>
+        </a:xfrm>
+      </p:grpSpPr>
+      <p:sp>
+        <p:nvSpPr>
+          <p:cNvPr id="2" name="Title 1"/>
+          <p:cNvSpPr>
+            <a:spLocks noGrp="1"/>
+          </p:cNvSpPr>
+          <p:nvPr>
+            <p:ph type="title"/>
+          </p:nvPr>
+        </p:nvSpPr>
+        <p:spPr/>
+        <p:txBody>
+          <a:bodyPr/>
+          <a:lstStyle/>
+          <a:p>
+            <a:r>
+              <a:rPr lang="en-US" dirty="0" smtClean="0"/>
               <a:t>User-Requested Features</a:t>
             </a:r>
             <a:endParaRPr lang="en-US" dirty="0"/>
@@ -6855,7 +7072,7 @@
 </p:sld>
 </file>
 
-<file path=ppt/slides/slide7.xml><?xml version="1.0" encoding="utf-8"?>
+<file path=ppt/slides/slide8.xml><?xml version="1.0" encoding="utf-8"?>
 <p:sld xmlns:a="http://schemas.openxmlformats.org/drawingml/2006/main" xmlns:r="http://schemas.openxmlformats.org/officeDocument/2006/relationships" xmlns:p="http://schemas.openxmlformats.org/presentationml/2006/main">
   <p:cSld>
     <p:spTree>
@@ -6966,113 +7183,6 @@
 </p:sld>
 </file>
 
-<file path=ppt/slides/slide8.xml><?xml version="1.0" encoding="utf-8"?>
-<p:sld xmlns:a="http://schemas.openxmlformats.org/drawingml/2006/main" xmlns:r="http://schemas.openxmlformats.org/officeDocument/2006/relationships" xmlns:p="http://schemas.openxmlformats.org/presentationml/2006/main">
-  <p:cSld>
-    <p:spTree>
-      <p:nvGrpSpPr>
-        <p:cNvPr id="1" name=""/>
-        <p:cNvGrpSpPr/>
-        <p:nvPr/>
-      </p:nvGrpSpPr>
-      <p:grpSpPr>
-        <a:xfrm>
-          <a:off x="0" y="0"/>
-          <a:ext cx="0" cy="0"/>
-          <a:chOff x="0" y="0"/>
-          <a:chExt cx="0" cy="0"/>
-        </a:xfrm>
-      </p:grpSpPr>
-      <p:sp>
-        <p:nvSpPr>
-          <p:cNvPr id="2" name="Title 1"/>
-          <p:cNvSpPr>
-            <a:spLocks noGrp="1"/>
-          </p:cNvSpPr>
-          <p:nvPr>
-            <p:ph type="title"/>
-          </p:nvPr>
-        </p:nvSpPr>
-        <p:spPr/>
-        <p:txBody>
-          <a:bodyPr>
-            <a:normAutofit/>
-          </a:bodyPr>
-          <a:lstStyle/>
-          <a:p>
-            <a:r>
-              <a:rPr lang="en-US" sz="6000" b="1" dirty="0" smtClean="0"/>
-              <a:t>I would buy </a:t>
-            </a:r>
-            <a:r>
-              <a:rPr lang="en-US" sz="6000" b="1" dirty="0" err="1" smtClean="0"/>
-              <a:t>Boingo</a:t>
-            </a:r>
-            <a:r>
-              <a:rPr lang="en-US" sz="6000" b="1" dirty="0" smtClean="0"/>
-              <a:t> Bongo if I weren’t dead.</a:t>
-            </a:r>
-            <a:endParaRPr lang="en-US" sz="6000" b="1" dirty="0"/>
-          </a:p>
-        </p:txBody>
-      </p:sp>
-      <p:sp>
-        <p:nvSpPr>
-          <p:cNvPr id="3" name="Text Placeholder 2"/>
-          <p:cNvSpPr>
-            <a:spLocks noGrp="1"/>
-          </p:cNvSpPr>
-          <p:nvPr>
-            <p:ph type="body" sz="half" idx="13"/>
-          </p:nvPr>
-        </p:nvSpPr>
-        <p:spPr/>
-        <p:txBody>
-          <a:bodyPr>
-            <a:noAutofit/>
-          </a:bodyPr>
-          <a:lstStyle/>
-          <a:p>
-            <a:r>
-              <a:rPr lang="en-US" sz="3600" dirty="0" smtClean="0"/>
-              <a:t>-Steve Jobs</a:t>
-            </a:r>
-            <a:endParaRPr lang="en-US" sz="3600" dirty="0"/>
-          </a:p>
-        </p:txBody>
-      </p:sp>
-      <p:sp>
-        <p:nvSpPr>
-          <p:cNvPr id="4" name="Text Placeholder 3"/>
-          <p:cNvSpPr>
-            <a:spLocks noGrp="1"/>
-          </p:cNvSpPr>
-          <p:nvPr>
-            <p:ph type="body" sz="half" idx="2"/>
-          </p:nvPr>
-        </p:nvSpPr>
-        <p:spPr/>
-        <p:txBody>
-          <a:bodyPr/>
-          <a:lstStyle/>
-          <a:p>
-            <a:endParaRPr lang="en-US"/>
-          </a:p>
-        </p:txBody>
-      </p:sp>
-    </p:spTree>
-    <p:extLst>
-      <p:ext uri="{BB962C8B-B14F-4D97-AF65-F5344CB8AC3E}">
-        <p14:creationId xmlns:p14="http://schemas.microsoft.com/office/powerpoint/2010/main" val="1307469285"/>
-      </p:ext>
-    </p:extLst>
-  </p:cSld>
-  <p:clrMapOvr>
-    <a:masterClrMapping/>
-  </p:clrMapOvr>
-</p:sld>
-</file>
-
 <file path=ppt/slides/slide9.xml><?xml version="1.0" encoding="utf-8"?>
 <p:sld xmlns:a="http://schemas.openxmlformats.org/drawingml/2006/main" xmlns:r="http://schemas.openxmlformats.org/officeDocument/2006/relationships" xmlns:p="http://schemas.openxmlformats.org/presentationml/2006/main">
   <p:cSld>
@@ -7102,85 +7212,75 @@
         </p:nvSpPr>
         <p:spPr/>
         <p:txBody>
-          <a:bodyPr/>
-          <a:lstStyle/>
-          <a:p>
-            <a:r>
-              <a:rPr lang="en-US" dirty="0" smtClean="0"/>
-              <a:t>Conclusion</a:t>
-            </a:r>
-            <a:endParaRPr lang="en-US" dirty="0"/>
-          </a:p>
-        </p:txBody>
-      </p:sp>
-      <p:sp>
-        <p:nvSpPr>
-          <p:cNvPr id="3" name="Content Placeholder 2"/>
-          <p:cNvSpPr>
-            <a:spLocks noGrp="1"/>
-          </p:cNvSpPr>
-          <p:nvPr>
-            <p:ph idx="1"/>
-          </p:nvPr>
-        </p:nvSpPr>
-        <p:spPr/>
-        <p:txBody>
-          <a:bodyPr/>
-          <a:lstStyle/>
-          <a:p>
-            <a:r>
-              <a:rPr lang="en-US" dirty="0" smtClean="0"/>
-              <a:t>Your company needs to monetize the Travel Site space. We can help. </a:t>
-            </a:r>
-          </a:p>
-          <a:p>
-            <a:r>
-              <a:rPr lang="en-US" dirty="0" smtClean="0"/>
-              <a:t>Give us all your money. </a:t>
-            </a:r>
-            <a:endParaRPr lang="en-US" dirty="0"/>
-          </a:p>
-        </p:txBody>
-      </p:sp>
-      <p:sp>
-        <p:nvSpPr>
-          <p:cNvPr id="4" name="TextBox 3"/>
-          <p:cNvSpPr txBox="1"/>
-          <p:nvPr/>
-        </p:nvSpPr>
-        <p:spPr>
-          <a:xfrm>
-            <a:off x="1120000" y="5111571"/>
-            <a:ext cx="9752788" cy="1200329"/>
-          </a:xfrm>
-          <a:prstGeom prst="rect">
-            <a:avLst/>
-          </a:prstGeom>
-          <a:noFill/>
-        </p:spPr>
-        <p:txBody>
-          <a:bodyPr wrap="square" rtlCol="0">
-            <a:spAutoFit/>
+          <a:bodyPr>
+            <a:normAutofit/>
           </a:bodyPr>
           <a:lstStyle/>
           <a:p>
-            <a:pPr algn="ctr"/>
-            <a:r>
-              <a:rPr lang="en-US" sz="3600" b="1" dirty="0" err="1" smtClean="0"/>
+            <a:r>
+              <a:rPr lang="en-US" sz="6000" b="1" dirty="0" smtClean="0"/>
+              <a:t>I would buy </a:t>
+            </a:r>
+            <a:r>
+              <a:rPr lang="en-US" sz="6000" b="1" dirty="0" err="1" smtClean="0"/>
               <a:t>Boingo</a:t>
             </a:r>
             <a:r>
-              <a:rPr lang="en-US" sz="3600" b="1" dirty="0" smtClean="0"/>
-              <a:t> Bongo™ . . . Making the world a better place, one crappy review at a time. </a:t>
-            </a:r>
-            <a:endParaRPr lang="en-US" sz="3600" b="1" dirty="0"/>
+              <a:rPr lang="en-US" sz="6000" b="1" dirty="0" smtClean="0"/>
+              <a:t> Bongo if I weren’t dead.</a:t>
+            </a:r>
+            <a:endParaRPr lang="en-US" sz="6000" b="1" dirty="0"/>
+          </a:p>
+        </p:txBody>
+      </p:sp>
+      <p:sp>
+        <p:nvSpPr>
+          <p:cNvPr id="3" name="Text Placeholder 2"/>
+          <p:cNvSpPr>
+            <a:spLocks noGrp="1"/>
+          </p:cNvSpPr>
+          <p:nvPr>
+            <p:ph type="body" sz="half" idx="13"/>
+          </p:nvPr>
+        </p:nvSpPr>
+        <p:spPr/>
+        <p:txBody>
+          <a:bodyPr>
+            <a:noAutofit/>
+          </a:bodyPr>
+          <a:lstStyle/>
+          <a:p>
+            <a:r>
+              <a:rPr lang="en-US" sz="3600" dirty="0" smtClean="0"/>
+              <a:t>-Steve Jobs</a:t>
+            </a:r>
+            <a:endParaRPr lang="en-US" sz="3600" dirty="0"/>
+          </a:p>
+        </p:txBody>
+      </p:sp>
+      <p:sp>
+        <p:nvSpPr>
+          <p:cNvPr id="4" name="Text Placeholder 3"/>
+          <p:cNvSpPr>
+            <a:spLocks noGrp="1"/>
+          </p:cNvSpPr>
+          <p:nvPr>
+            <p:ph type="body" sz="half" idx="2"/>
+          </p:nvPr>
+        </p:nvSpPr>
+        <p:spPr/>
+        <p:txBody>
+          <a:bodyPr/>
+          <a:lstStyle/>
+          <a:p>
+            <a:endParaRPr lang="en-US"/>
           </a:p>
         </p:txBody>
       </p:sp>
     </p:spTree>
     <p:extLst>
       <p:ext uri="{BB962C8B-B14F-4D97-AF65-F5344CB8AC3E}">
-        <p14:creationId xmlns:p14="http://schemas.microsoft.com/office/powerpoint/2010/main" val="334199979"/>
+        <p14:creationId xmlns:p14="http://schemas.microsoft.com/office/powerpoint/2010/main" val="1307469285"/>
       </p:ext>
     </p:extLst>
   </p:cSld>
